--- a/submission material/Team1_Project.pptx
+++ b/submission material/Team1_Project.pptx
@@ -5,11 +5,12 @@
     <p:sldMasterId id="2147483648" r:id="rId1"/>
   </p:sldMasterIdLst>
   <p:notesMasterIdLst>
-    <p:notesMasterId r:id="rId4"/>
+    <p:notesMasterId r:id="rId5"/>
   </p:notesMasterIdLst>
   <p:sldIdLst>
     <p:sldId id="256" r:id="rId2"/>
     <p:sldId id="257" r:id="rId3"/>
+    <p:sldId id="258" r:id="rId4"/>
   </p:sldIdLst>
   <p:sldSz cx="12192000" cy="6858000"/>
   <p:notesSz cx="6858000" cy="9144000"/>
@@ -235,7 +236,7 @@
           <a:p>
             <a:fld id="{B171686F-AF97-4B2E-BB2F-A19B330899D0}" type="datetimeFigureOut">
               <a:rPr lang="en-US" smtClean="0"/>
-              <a:t>11/4/2022</a:t>
+              <a:t>11/8/22</a:t>
             </a:fld>
             <a:endParaRPr lang="en-US"/>
           </a:p>
@@ -736,7 +737,7 @@
           <a:p>
             <a:fld id="{3E04A193-604D-49EC-81B2-A92C835D5693}" type="datetimeFigureOut">
               <a:rPr lang="en-US" smtClean="0"/>
-              <a:t>11/4/2022</a:t>
+              <a:t>11/8/22</a:t>
             </a:fld>
             <a:endParaRPr lang="en-US"/>
           </a:p>
@@ -936,7 +937,7 @@
           <a:p>
             <a:fld id="{3E04A193-604D-49EC-81B2-A92C835D5693}" type="datetimeFigureOut">
               <a:rPr lang="en-US" smtClean="0"/>
-              <a:t>11/4/2022</a:t>
+              <a:t>11/8/22</a:t>
             </a:fld>
             <a:endParaRPr lang="en-US"/>
           </a:p>
@@ -1146,7 +1147,7 @@
           <a:p>
             <a:fld id="{3E04A193-604D-49EC-81B2-A92C835D5693}" type="datetimeFigureOut">
               <a:rPr lang="en-US" smtClean="0"/>
-              <a:t>11/4/2022</a:t>
+              <a:t>11/8/22</a:t>
             </a:fld>
             <a:endParaRPr lang="en-US"/>
           </a:p>
@@ -1346,7 +1347,7 @@
           <a:p>
             <a:fld id="{3E04A193-604D-49EC-81B2-A92C835D5693}" type="datetimeFigureOut">
               <a:rPr lang="en-US" smtClean="0"/>
-              <a:t>11/4/2022</a:t>
+              <a:t>11/8/22</a:t>
             </a:fld>
             <a:endParaRPr lang="en-US"/>
           </a:p>
@@ -1622,7 +1623,7 @@
           <a:p>
             <a:fld id="{3E04A193-604D-49EC-81B2-A92C835D5693}" type="datetimeFigureOut">
               <a:rPr lang="en-US" smtClean="0"/>
-              <a:t>11/4/2022</a:t>
+              <a:t>11/8/22</a:t>
             </a:fld>
             <a:endParaRPr lang="en-US"/>
           </a:p>
@@ -1890,7 +1891,7 @@
           <a:p>
             <a:fld id="{3E04A193-604D-49EC-81B2-A92C835D5693}" type="datetimeFigureOut">
               <a:rPr lang="en-US" smtClean="0"/>
-              <a:t>11/4/2022</a:t>
+              <a:t>11/8/22</a:t>
             </a:fld>
             <a:endParaRPr lang="en-US"/>
           </a:p>
@@ -2305,7 +2306,7 @@
           <a:p>
             <a:fld id="{3E04A193-604D-49EC-81B2-A92C835D5693}" type="datetimeFigureOut">
               <a:rPr lang="en-US" smtClean="0"/>
-              <a:t>11/4/2022</a:t>
+              <a:t>11/8/22</a:t>
             </a:fld>
             <a:endParaRPr lang="en-US"/>
           </a:p>
@@ -2447,7 +2448,7 @@
           <a:p>
             <a:fld id="{3E04A193-604D-49EC-81B2-A92C835D5693}" type="datetimeFigureOut">
               <a:rPr lang="en-US" smtClean="0"/>
-              <a:t>11/4/2022</a:t>
+              <a:t>11/8/22</a:t>
             </a:fld>
             <a:endParaRPr lang="en-US"/>
           </a:p>
@@ -2560,7 +2561,7 @@
           <a:p>
             <a:fld id="{3E04A193-604D-49EC-81B2-A92C835D5693}" type="datetimeFigureOut">
               <a:rPr lang="en-US" smtClean="0"/>
-              <a:t>11/4/2022</a:t>
+              <a:t>11/8/22</a:t>
             </a:fld>
             <a:endParaRPr lang="en-US"/>
           </a:p>
@@ -2873,7 +2874,7 @@
           <a:p>
             <a:fld id="{3E04A193-604D-49EC-81B2-A92C835D5693}" type="datetimeFigureOut">
               <a:rPr lang="en-US" smtClean="0"/>
-              <a:t>11/4/2022</a:t>
+              <a:t>11/8/22</a:t>
             </a:fld>
             <a:endParaRPr lang="en-US"/>
           </a:p>
@@ -3162,7 +3163,7 @@
           <a:p>
             <a:fld id="{3E04A193-604D-49EC-81B2-A92C835D5693}" type="datetimeFigureOut">
               <a:rPr lang="en-US" smtClean="0"/>
-              <a:t>11/4/2022</a:t>
+              <a:t>11/8/22</a:t>
             </a:fld>
             <a:endParaRPr lang="en-US"/>
           </a:p>
@@ -3405,7 +3406,7 @@
           <a:p>
             <a:fld id="{3E04A193-604D-49EC-81B2-A92C835D5693}" type="datetimeFigureOut">
               <a:rPr lang="en-US" smtClean="0"/>
-              <a:t>11/4/2022</a:t>
+              <a:t>11/8/22</a:t>
             </a:fld>
             <a:endParaRPr lang="en-US"/>
           </a:p>
@@ -3937,7 +3938,7 @@
           <a:lstStyle/>
           <a:p>
             <a:r>
-              <a:rPr lang="en-US">
+              <a:rPr lang="en-US" dirty="0">
                 <a:latin typeface="Roboto Black" panose="020B0604020202020204" pitchFamily="2" charset="0"/>
                 <a:ea typeface="Roboto Black" panose="020B0604020202020204" pitchFamily="2" charset="0"/>
               </a:rPr>
@@ -5973,6 +5974,836 @@
     <p:extLst>
       <p:ext uri="{BB962C8B-B14F-4D97-AF65-F5344CB8AC3E}">
         <p14:creationId xmlns:p14="http://schemas.microsoft.com/office/powerpoint/2010/main" val="3865381975"/>
+      </p:ext>
+    </p:extLst>
+  </p:cSld>
+  <p:clrMapOvr>
+    <a:masterClrMapping/>
+  </p:clrMapOvr>
+</p:sld>
+</file>
+
+<file path=ppt/slides/slide3.xml><?xml version="1.0" encoding="utf-8"?>
+<p:sld xmlns:a="http://schemas.openxmlformats.org/drawingml/2006/main" xmlns:r="http://schemas.openxmlformats.org/officeDocument/2006/relationships" xmlns:p="http://schemas.openxmlformats.org/presentationml/2006/main">
+  <p:cSld>
+    <p:spTree>
+      <p:nvGrpSpPr>
+        <p:cNvPr id="1" name=""/>
+        <p:cNvGrpSpPr/>
+        <p:nvPr/>
+      </p:nvGrpSpPr>
+      <p:grpSpPr>
+        <a:xfrm>
+          <a:off x="0" y="0"/>
+          <a:ext cx="0" cy="0"/>
+          <a:chOff x="0" y="0"/>
+          <a:chExt cx="0" cy="0"/>
+        </a:xfrm>
+      </p:grpSpPr>
+      <p:grpSp>
+        <p:nvGrpSpPr>
+          <p:cNvPr id="13" name="Group 12">
+            <a:extLst>
+              <a:ext uri="{FF2B5EF4-FFF2-40B4-BE49-F238E27FC236}">
+                <a16:creationId xmlns:a16="http://schemas.microsoft.com/office/drawing/2014/main" id="{E5548EE6-DA29-C5B1-60EA-D6541221435E}"/>
+              </a:ext>
+            </a:extLst>
+          </p:cNvPr>
+          <p:cNvGrpSpPr/>
+          <p:nvPr/>
+        </p:nvGrpSpPr>
+        <p:grpSpPr>
+          <a:xfrm>
+            <a:off x="533400" y="4526902"/>
+            <a:ext cx="10972801" cy="1569661"/>
+            <a:chOff x="533399" y="4585106"/>
+            <a:chExt cx="10972801" cy="1569661"/>
+          </a:xfrm>
+        </p:grpSpPr>
+        <p:sp>
+          <p:nvSpPr>
+            <p:cNvPr id="2" name="CasellaDiTesto 1">
+              <a:extLst>
+                <a:ext uri="{FF2B5EF4-FFF2-40B4-BE49-F238E27FC236}">
+                  <a16:creationId xmlns:a16="http://schemas.microsoft.com/office/drawing/2014/main" id="{6286886D-222B-4116-EC7B-5ABF81D70724}"/>
+                </a:ext>
+              </a:extLst>
+            </p:cNvPr>
+            <p:cNvSpPr txBox="1"/>
+            <p:nvPr/>
+          </p:nvSpPr>
+          <p:spPr>
+            <a:xfrm>
+              <a:off x="533399" y="4585106"/>
+              <a:ext cx="3717561" cy="369332"/>
+            </a:xfrm>
+            <a:prstGeom prst="rect">
+              <a:avLst/>
+            </a:prstGeom>
+            <a:noFill/>
+          </p:spPr>
+          <p:txBody>
+            <a:bodyPr wrap="square" rtlCol="0">
+              <a:spAutoFit/>
+            </a:bodyPr>
+            <a:lstStyle/>
+            <a:p>
+              <a:r>
+                <a:rPr lang="en-US" dirty="0">
+                  <a:latin typeface="Roboto Black" panose="020B0604020202020204" pitchFamily="2" charset="0"/>
+                  <a:ea typeface="Roboto Black" panose="020B0604020202020204" pitchFamily="2" charset="0"/>
+                </a:rPr>
+                <a:t>Adding weight  capacity constrain</a:t>
+              </a:r>
+            </a:p>
+          </p:txBody>
+        </p:sp>
+        <p:sp>
+          <p:nvSpPr>
+            <p:cNvPr id="3" name="TextBox 2">
+              <a:extLst>
+                <a:ext uri="{FF2B5EF4-FFF2-40B4-BE49-F238E27FC236}">
+                  <a16:creationId xmlns:a16="http://schemas.microsoft.com/office/drawing/2014/main" id="{57B70649-7FBC-A9FA-4032-7A29002150B0}"/>
+                </a:ext>
+              </a:extLst>
+            </p:cNvPr>
+            <p:cNvSpPr txBox="1"/>
+            <p:nvPr/>
+          </p:nvSpPr>
+          <p:spPr>
+            <a:xfrm>
+              <a:off x="533400" y="4954438"/>
+              <a:ext cx="10972800" cy="1200329"/>
+            </a:xfrm>
+            <a:prstGeom prst="rect">
+              <a:avLst/>
+            </a:prstGeom>
+            <a:noFill/>
+          </p:spPr>
+          <p:txBody>
+            <a:bodyPr wrap="square" rtlCol="0">
+              <a:spAutoFit/>
+            </a:bodyPr>
+            <a:lstStyle/>
+            <a:p>
+              <a:r>
+                <a:rPr lang="en-IT" dirty="0"/>
+                <a:t>In the basic case code, the weight capacity wasn’t modeled.  We decided to add the weight of each unit load in the file of line coordinates and return all the weights in a list called </a:t>
+              </a:r>
+              <a:r>
+                <a:rPr lang="en-GB" dirty="0" err="1"/>
+                <a:t>output_weight</a:t>
+              </a:r>
+              <a:r>
+                <a:rPr lang="en-GB" dirty="0"/>
+                <a:t>. Tugger train now will check if it has enough spare weight capacity to load the next line UL and if it hasn’t, it will go on to the next line or eventually to the warehouse to unload the units.</a:t>
+              </a:r>
+              <a:endParaRPr lang="en-IT" dirty="0"/>
+            </a:p>
+          </p:txBody>
+        </p:sp>
+      </p:grpSp>
+      <p:grpSp>
+        <p:nvGrpSpPr>
+          <p:cNvPr id="14" name="Group 13">
+            <a:extLst>
+              <a:ext uri="{FF2B5EF4-FFF2-40B4-BE49-F238E27FC236}">
+                <a16:creationId xmlns:a16="http://schemas.microsoft.com/office/drawing/2014/main" id="{4E095103-46E0-364E-3040-A739881F36EF}"/>
+              </a:ext>
+            </a:extLst>
+          </p:cNvPr>
+          <p:cNvGrpSpPr/>
+          <p:nvPr/>
+        </p:nvGrpSpPr>
+        <p:grpSpPr>
+          <a:xfrm>
+            <a:off x="533400" y="395370"/>
+            <a:ext cx="10972801" cy="3883457"/>
+            <a:chOff x="533400" y="395370"/>
+            <a:chExt cx="10972801" cy="3883457"/>
+          </a:xfrm>
+        </p:grpSpPr>
+        <p:sp>
+          <p:nvSpPr>
+            <p:cNvPr id="4" name="CasellaDiTesto 1">
+              <a:extLst>
+                <a:ext uri="{FF2B5EF4-FFF2-40B4-BE49-F238E27FC236}">
+                  <a16:creationId xmlns:a16="http://schemas.microsoft.com/office/drawing/2014/main" id="{9708608F-61A9-73DE-0194-395B9996331C}"/>
+                </a:ext>
+              </a:extLst>
+            </p:cNvPr>
+            <p:cNvSpPr txBox="1"/>
+            <p:nvPr/>
+          </p:nvSpPr>
+          <p:spPr>
+            <a:xfrm>
+              <a:off x="533400" y="395370"/>
+              <a:ext cx="3717561" cy="369332"/>
+            </a:xfrm>
+            <a:prstGeom prst="rect">
+              <a:avLst/>
+            </a:prstGeom>
+            <a:noFill/>
+          </p:spPr>
+          <p:txBody>
+            <a:bodyPr wrap="square" rtlCol="0">
+              <a:spAutoFit/>
+            </a:bodyPr>
+            <a:lstStyle/>
+            <a:p>
+              <a:r>
+                <a:rPr lang="en-US" dirty="0">
+                  <a:latin typeface="Roboto Black" panose="020B0604020202020204" pitchFamily="2" charset="0"/>
+                  <a:ea typeface="Roboto Black" panose="020B0604020202020204" pitchFamily="2" charset="0"/>
+                </a:rPr>
+                <a:t>Refactoring </a:t>
+              </a:r>
+              <a:r>
+                <a:rPr lang="en-US" dirty="0" err="1">
+                  <a:latin typeface="Roboto Black" panose="020B0604020202020204" pitchFamily="2" charset="0"/>
+                  <a:ea typeface="Roboto Black" panose="020B0604020202020204" pitchFamily="2" charset="0"/>
+                </a:rPr>
+                <a:t>read_line_info</a:t>
+              </a:r>
+              <a:r>
+                <a:rPr lang="en-US" dirty="0">
+                  <a:latin typeface="Roboto Black" panose="020B0604020202020204" pitchFamily="2" charset="0"/>
+                  <a:ea typeface="Roboto Black" panose="020B0604020202020204" pitchFamily="2" charset="0"/>
+                </a:rPr>
+                <a:t> </a:t>
+              </a:r>
+            </a:p>
+          </p:txBody>
+        </p:sp>
+        <p:sp>
+          <p:nvSpPr>
+            <p:cNvPr id="5" name="TextBox 4">
+              <a:extLst>
+                <a:ext uri="{FF2B5EF4-FFF2-40B4-BE49-F238E27FC236}">
+                  <a16:creationId xmlns:a16="http://schemas.microsoft.com/office/drawing/2014/main" id="{EC44DE5B-4487-F16A-39C2-522DADAD6B1F}"/>
+                </a:ext>
+              </a:extLst>
+            </p:cNvPr>
+            <p:cNvSpPr txBox="1"/>
+            <p:nvPr/>
+          </p:nvSpPr>
+          <p:spPr>
+            <a:xfrm>
+              <a:off x="533401" y="764180"/>
+              <a:ext cx="10972800" cy="2031325"/>
+            </a:xfrm>
+            <a:prstGeom prst="rect">
+              <a:avLst/>
+            </a:prstGeom>
+            <a:noFill/>
+          </p:spPr>
+          <p:txBody>
+            <a:bodyPr wrap="square" rtlCol="0">
+              <a:spAutoFit/>
+            </a:bodyPr>
+            <a:lstStyle/>
+            <a:p>
+              <a:r>
+                <a:rPr lang="it-IT" dirty="0"/>
+                <a:t>In the </a:t>
+              </a:r>
+              <a:r>
+                <a:rPr lang="it-IT" dirty="0" err="1"/>
+                <a:t>basic</a:t>
+              </a:r>
+              <a:r>
+                <a:rPr lang="it-IT" dirty="0"/>
+                <a:t> case, the </a:t>
+              </a:r>
+              <a:r>
+                <a:rPr lang="it-IT" dirty="0" err="1"/>
+                <a:t>function</a:t>
+              </a:r>
+              <a:r>
+                <a:rPr lang="it-IT" dirty="0"/>
+                <a:t> </a:t>
+              </a:r>
+              <a:r>
+                <a:rPr lang="it-IT" dirty="0" err="1"/>
+                <a:t>read_line_info</a:t>
+              </a:r>
+              <a:r>
+                <a:rPr lang="it-IT" dirty="0"/>
+                <a:t> </a:t>
+              </a:r>
+              <a:r>
+                <a:rPr lang="it-IT" dirty="0" err="1"/>
+                <a:t>was</a:t>
+              </a:r>
+              <a:r>
+                <a:rPr lang="it-IT" dirty="0"/>
+                <a:t> </a:t>
+              </a:r>
+              <a:r>
+                <a:rPr lang="it-IT" dirty="0" err="1"/>
+                <a:t>called</a:t>
+              </a:r>
+              <a:r>
+                <a:rPr lang="it-IT" dirty="0"/>
+                <a:t> </a:t>
+              </a:r>
+              <a:r>
+                <a:rPr lang="it-IT" dirty="0" err="1"/>
+                <a:t>three</a:t>
+              </a:r>
+              <a:r>
+                <a:rPr lang="it-IT" dirty="0"/>
+                <a:t> times </a:t>
+              </a:r>
+              <a:r>
+                <a:rPr lang="it-IT" dirty="0" err="1"/>
+                <a:t>when</a:t>
+              </a:r>
+              <a:r>
+                <a:rPr lang="it-IT" dirty="0"/>
+                <a:t> in </a:t>
+              </a:r>
+              <a:r>
+                <a:rPr lang="it-IT" dirty="0" err="1"/>
+                <a:t>practice</a:t>
+              </a:r>
+              <a:r>
+                <a:rPr lang="it-IT" dirty="0"/>
+                <a:t> </a:t>
+              </a:r>
+              <a:r>
+                <a:rPr lang="it-IT" dirty="0" err="1"/>
+                <a:t>we</a:t>
+              </a:r>
+              <a:r>
+                <a:rPr lang="it-IT" dirty="0"/>
+                <a:t> can use Python </a:t>
+              </a:r>
+              <a:r>
+                <a:rPr lang="it-IT" dirty="0" err="1"/>
+                <a:t>unpacking</a:t>
+              </a:r>
+              <a:r>
+                <a:rPr lang="it-IT" dirty="0"/>
+                <a:t> feature to call the </a:t>
+              </a:r>
+              <a:r>
+                <a:rPr lang="it-IT" dirty="0" err="1"/>
+                <a:t>function</a:t>
+              </a:r>
+              <a:r>
+                <a:rPr lang="it-IT" dirty="0"/>
+                <a:t> just once. </a:t>
+              </a:r>
+              <a:r>
+                <a:rPr lang="it-IT" dirty="0" err="1"/>
+                <a:t>Moreover</a:t>
+              </a:r>
+              <a:r>
+                <a:rPr lang="it-IT" dirty="0"/>
+                <a:t>, </a:t>
+              </a:r>
+              <a:r>
+                <a:rPr lang="it-IT" dirty="0" err="1"/>
+                <a:t>we</a:t>
+              </a:r>
+              <a:r>
+                <a:rPr lang="it-IT" dirty="0"/>
+                <a:t> </a:t>
+              </a:r>
+              <a:r>
+                <a:rPr lang="it-IT" dirty="0" err="1"/>
+                <a:t>decided</a:t>
+              </a:r>
+              <a:r>
+                <a:rPr lang="it-IT" dirty="0"/>
+                <a:t> to </a:t>
+              </a:r>
+              <a:r>
+                <a:rPr lang="it-IT" dirty="0" err="1"/>
+                <a:t>give</a:t>
+              </a:r>
+              <a:r>
+                <a:rPr lang="it-IT" dirty="0"/>
+                <a:t> the project a </a:t>
+              </a:r>
+              <a:r>
+                <a:rPr lang="it-IT" dirty="0" err="1"/>
+                <a:t>clearer</a:t>
+              </a:r>
+              <a:r>
+                <a:rPr lang="it-IT" dirty="0"/>
+                <a:t> </a:t>
+              </a:r>
+              <a:r>
+                <a:rPr lang="it-IT" dirty="0" err="1"/>
+                <a:t>structure</a:t>
+              </a:r>
+              <a:r>
+                <a:rPr lang="it-IT" dirty="0"/>
+                <a:t>, by </a:t>
+              </a:r>
+              <a:r>
+                <a:rPr lang="it-IT" dirty="0" err="1"/>
+                <a:t>dividing</a:t>
+              </a:r>
+              <a:r>
+                <a:rPr lang="it-IT" dirty="0"/>
+                <a:t> the </a:t>
+              </a:r>
+              <a:r>
+                <a:rPr lang="it-IT" dirty="0" err="1"/>
+                <a:t>entire</a:t>
+              </a:r>
+              <a:r>
+                <a:rPr lang="it-IT" dirty="0"/>
+                <a:t> code in </a:t>
+              </a:r>
+              <a:r>
+                <a:rPr lang="it-IT" dirty="0" err="1"/>
+                <a:t>two</a:t>
+              </a:r>
+              <a:r>
+                <a:rPr lang="it-IT" dirty="0"/>
+                <a:t> </a:t>
+              </a:r>
+              <a:r>
+                <a:rPr lang="it-IT" dirty="0" err="1"/>
+                <a:t>distinct</a:t>
+              </a:r>
+              <a:r>
+                <a:rPr lang="it-IT" dirty="0"/>
+                <a:t> files: the first one </a:t>
+              </a:r>
+              <a:r>
+                <a:rPr lang="it-IT" dirty="0" err="1"/>
+                <a:t>called</a:t>
+              </a:r>
+              <a:r>
+                <a:rPr lang="it-IT" dirty="0"/>
+                <a:t> </a:t>
+              </a:r>
+              <a:r>
+                <a:rPr lang="it-IT" dirty="0" err="1"/>
+                <a:t>main</a:t>
+              </a:r>
+              <a:r>
+                <a:rPr lang="it-IT" dirty="0"/>
+                <a:t>, </a:t>
+              </a:r>
+              <a:r>
+                <a:rPr lang="it-IT" dirty="0" err="1"/>
+                <a:t>wich</a:t>
+              </a:r>
+              <a:r>
+                <a:rPr lang="it-IT" dirty="0"/>
+                <a:t> </a:t>
+              </a:r>
+              <a:r>
+                <a:rPr lang="it-IT" dirty="0" err="1"/>
+                <a:t>contains</a:t>
+              </a:r>
+              <a:r>
+                <a:rPr lang="it-IT" dirty="0"/>
+                <a:t> the model </a:t>
+              </a:r>
+              <a:r>
+                <a:rPr lang="it-IT" dirty="0" err="1"/>
+                <a:t>implementation</a:t>
+              </a:r>
+              <a:r>
+                <a:rPr lang="it-IT" dirty="0"/>
+                <a:t>, and the second one </a:t>
+              </a:r>
+              <a:r>
+                <a:rPr lang="it-IT" dirty="0" err="1"/>
+                <a:t>called</a:t>
+              </a:r>
+              <a:r>
+                <a:rPr lang="it-IT" dirty="0"/>
+                <a:t> </a:t>
+              </a:r>
+              <a:r>
+                <a:rPr lang="it-IT" dirty="0" err="1"/>
+                <a:t>utils</a:t>
+              </a:r>
+              <a:r>
+                <a:rPr lang="it-IT" dirty="0"/>
+                <a:t>, in </a:t>
+              </a:r>
+              <a:r>
+                <a:rPr lang="it-IT" dirty="0" err="1"/>
+                <a:t>which</a:t>
+              </a:r>
+              <a:r>
+                <a:rPr lang="it-IT" dirty="0"/>
+                <a:t> </a:t>
+              </a:r>
+              <a:r>
+                <a:rPr lang="it-IT" dirty="0" err="1"/>
+                <a:t>we</a:t>
+              </a:r>
+              <a:r>
+                <a:rPr lang="it-IT" dirty="0"/>
+                <a:t> </a:t>
+              </a:r>
+              <a:r>
+                <a:rPr lang="it-IT" dirty="0" err="1"/>
+                <a:t>included</a:t>
+              </a:r>
+              <a:r>
+                <a:rPr lang="it-IT" dirty="0"/>
+                <a:t> </a:t>
+              </a:r>
+              <a:r>
+                <a:rPr lang="it-IT" dirty="0" err="1"/>
+                <a:t>all</a:t>
+              </a:r>
+              <a:r>
+                <a:rPr lang="it-IT" dirty="0"/>
+                <a:t> the </a:t>
+              </a:r>
+              <a:r>
+                <a:rPr lang="it-IT" dirty="0" err="1"/>
+                <a:t>functions</a:t>
+              </a:r>
+              <a:r>
+                <a:rPr lang="it-IT" dirty="0"/>
+                <a:t> to compute energy </a:t>
+              </a:r>
+              <a:r>
+                <a:rPr lang="it-IT" dirty="0" err="1"/>
+                <a:t>consumption</a:t>
+              </a:r>
+              <a:r>
+                <a:rPr lang="it-IT" dirty="0"/>
+                <a:t>, speed, </a:t>
+              </a:r>
+              <a:r>
+                <a:rPr lang="it-IT" dirty="0" err="1"/>
+                <a:t>distances</a:t>
+              </a:r>
+              <a:r>
+                <a:rPr lang="it-IT" dirty="0"/>
+                <a:t>, time and so on and so </a:t>
+              </a:r>
+              <a:r>
+                <a:rPr lang="it-IT" dirty="0" err="1"/>
+                <a:t>forth</a:t>
+              </a:r>
+              <a:r>
+                <a:rPr lang="it-IT" dirty="0"/>
+                <a:t>. For the </a:t>
+              </a:r>
+              <a:r>
+                <a:rPr lang="it-IT" dirty="0" err="1"/>
+                <a:t>description</a:t>
+              </a:r>
+              <a:r>
+                <a:rPr lang="it-IT" dirty="0"/>
+                <a:t> of the </a:t>
+              </a:r>
+              <a:r>
+                <a:rPr lang="it-IT" dirty="0" err="1"/>
+                <a:t>function</a:t>
+              </a:r>
+              <a:r>
+                <a:rPr lang="it-IT" dirty="0"/>
+                <a:t> </a:t>
+              </a:r>
+              <a:r>
+                <a:rPr lang="it-IT" dirty="0" err="1"/>
+                <a:t>we</a:t>
+              </a:r>
+              <a:r>
+                <a:rPr lang="it-IT" dirty="0"/>
+                <a:t> </a:t>
+              </a:r>
+              <a:r>
+                <a:rPr lang="it-IT" dirty="0" err="1"/>
+                <a:t>included</a:t>
+              </a:r>
+              <a:r>
+                <a:rPr lang="it-IT" dirty="0"/>
+                <a:t> </a:t>
+              </a:r>
+              <a:r>
+                <a:rPr lang="it-IT" dirty="0" err="1"/>
+                <a:t>into</a:t>
+              </a:r>
+              <a:r>
+                <a:rPr lang="it-IT" dirty="0"/>
+                <a:t> the </a:t>
+              </a:r>
+              <a:r>
+                <a:rPr lang="it-IT" dirty="0" err="1"/>
+                <a:t>utils</a:t>
+              </a:r>
+              <a:r>
+                <a:rPr lang="it-IT" dirty="0"/>
+                <a:t> </a:t>
+              </a:r>
+              <a:r>
+                <a:rPr lang="it-IT" dirty="0" err="1"/>
+                <a:t>module</a:t>
+              </a:r>
+              <a:r>
+                <a:rPr lang="it-IT" dirty="0"/>
+                <a:t>, </a:t>
+              </a:r>
+              <a:r>
+                <a:rPr lang="it-IT" dirty="0" err="1"/>
+                <a:t>you</a:t>
+              </a:r>
+              <a:r>
+                <a:rPr lang="it-IT" dirty="0"/>
+                <a:t> can </a:t>
+              </a:r>
+              <a:r>
+                <a:rPr lang="it-IT" dirty="0" err="1"/>
+                <a:t>refers</a:t>
+              </a:r>
+              <a:r>
+                <a:rPr lang="it-IT" dirty="0"/>
+                <a:t> to the </a:t>
+              </a:r>
+              <a:r>
+                <a:rPr lang="it-IT" dirty="0" err="1"/>
+                <a:t>original</a:t>
+              </a:r>
+              <a:r>
+                <a:rPr lang="it-IT" dirty="0"/>
+                <a:t> </a:t>
+              </a:r>
+              <a:r>
+                <a:rPr lang="it-IT" dirty="0" err="1"/>
+                <a:t>python</a:t>
+              </a:r>
+              <a:r>
+                <a:rPr lang="it-IT" dirty="0"/>
+                <a:t> script. In general, </a:t>
+              </a:r>
+              <a:r>
+                <a:rPr lang="it-IT" dirty="0" err="1"/>
+                <a:t>we</a:t>
+              </a:r>
+              <a:r>
+                <a:rPr lang="it-IT" dirty="0"/>
+                <a:t> </a:t>
+              </a:r>
+              <a:r>
+                <a:rPr lang="it-IT" dirty="0" err="1"/>
+                <a:t>included</a:t>
+              </a:r>
+              <a:r>
+                <a:rPr lang="it-IT" dirty="0"/>
+                <a:t> </a:t>
+              </a:r>
+              <a:r>
+                <a:rPr lang="it-IT" dirty="0" err="1"/>
+                <a:t>all</a:t>
+              </a:r>
+              <a:r>
+                <a:rPr lang="it-IT" dirty="0"/>
+                <a:t> the </a:t>
+              </a:r>
+              <a:r>
+                <a:rPr lang="it-IT" dirty="0" err="1"/>
+                <a:t>function</a:t>
+              </a:r>
+              <a:r>
+                <a:rPr lang="it-IT" dirty="0"/>
+                <a:t> </a:t>
+              </a:r>
+              <a:r>
+                <a:rPr lang="it-IT" dirty="0" err="1"/>
+                <a:t>not</a:t>
+              </a:r>
+              <a:r>
+                <a:rPr lang="it-IT" dirty="0"/>
+                <a:t> </a:t>
+              </a:r>
+              <a:r>
+                <a:rPr lang="it-IT" dirty="0" err="1"/>
+                <a:t>related</a:t>
+              </a:r>
+              <a:r>
+                <a:rPr lang="it-IT" dirty="0"/>
+                <a:t> to the MESA package </a:t>
+              </a:r>
+              <a:r>
+                <a:rPr lang="it-IT" dirty="0" err="1"/>
+                <a:t>method</a:t>
+              </a:r>
+              <a:r>
+                <a:rPr lang="it-IT" dirty="0"/>
+                <a:t> in the </a:t>
+              </a:r>
+              <a:r>
+                <a:rPr lang="it-IT" dirty="0" err="1"/>
+                <a:t>utils</a:t>
+              </a:r>
+              <a:r>
+                <a:rPr lang="it-IT" dirty="0"/>
+                <a:t> </a:t>
+              </a:r>
+              <a:r>
+                <a:rPr lang="it-IT" dirty="0" err="1"/>
+                <a:t>module</a:t>
+              </a:r>
+              <a:r>
+                <a:rPr lang="it-IT" dirty="0"/>
+                <a:t> to build a more </a:t>
+              </a:r>
+              <a:r>
+                <a:rPr lang="it-IT" dirty="0" err="1"/>
+                <a:t>flexible</a:t>
+              </a:r>
+              <a:r>
+                <a:rPr lang="it-IT" dirty="0"/>
+                <a:t> code.</a:t>
+              </a:r>
+              <a:endParaRPr lang="en-IT" dirty="0"/>
+            </a:p>
+          </p:txBody>
+        </p:sp>
+        <p:grpSp>
+          <p:nvGrpSpPr>
+            <p:cNvPr id="11" name="Group 10">
+              <a:extLst>
+                <a:ext uri="{FF2B5EF4-FFF2-40B4-BE49-F238E27FC236}">
+                  <a16:creationId xmlns:a16="http://schemas.microsoft.com/office/drawing/2014/main" id="{C41AFF7E-E642-4F13-CA9F-62F1F2BF5418}"/>
+                </a:ext>
+              </a:extLst>
+            </p:cNvPr>
+            <p:cNvGrpSpPr/>
+            <p:nvPr/>
+          </p:nvGrpSpPr>
+          <p:grpSpPr>
+            <a:xfrm>
+              <a:off x="603248" y="2864466"/>
+              <a:ext cx="10795000" cy="1414361"/>
+              <a:chOff x="622300" y="2234911"/>
+              <a:chExt cx="10795000" cy="1414361"/>
+            </a:xfrm>
+          </p:grpSpPr>
+          <p:pic>
+            <p:nvPicPr>
+              <p:cNvPr id="7" name="Picture 6" descr="Graphical user interface, text, application&#10;&#10;Description automatically generated">
+                <a:extLst>
+                  <a:ext uri="{FF2B5EF4-FFF2-40B4-BE49-F238E27FC236}">
+                    <a16:creationId xmlns:a16="http://schemas.microsoft.com/office/drawing/2014/main" id="{E4D2E971-7E51-E8B8-33ED-B6E6BC78AF5D}"/>
+                  </a:ext>
+                </a:extLst>
+              </p:cNvPr>
+              <p:cNvPicPr>
+                <a:picLocks noChangeAspect="1"/>
+              </p:cNvPicPr>
+              <p:nvPr/>
+            </p:nvPicPr>
+            <p:blipFill>
+              <a:blip r:embed="rId2">
+                <a:extLst>
+                  <a:ext uri="{28A0092B-C50C-407E-A947-70E740481C1C}">
+                    <a14:useLocalDpi xmlns:a14="http://schemas.microsoft.com/office/drawing/2010/main" val="0"/>
+                  </a:ext>
+                </a:extLst>
+              </a:blip>
+              <a:stretch>
+                <a:fillRect/>
+              </a:stretch>
+            </p:blipFill>
+            <p:spPr>
+              <a:xfrm>
+                <a:off x="622300" y="2414025"/>
+                <a:ext cx="5080000" cy="1056133"/>
+              </a:xfrm>
+              <a:prstGeom prst="rect">
+                <a:avLst/>
+              </a:prstGeom>
+            </p:spPr>
+          </p:pic>
+          <p:pic>
+            <p:nvPicPr>
+              <p:cNvPr id="8" name="Picture 7">
+                <a:extLst>
+                  <a:ext uri="{FF2B5EF4-FFF2-40B4-BE49-F238E27FC236}">
+                    <a16:creationId xmlns:a16="http://schemas.microsoft.com/office/drawing/2014/main" id="{6CA715F7-1A2F-22C8-37DE-34855E08C102}"/>
+                  </a:ext>
+                </a:extLst>
+              </p:cNvPr>
+              <p:cNvPicPr>
+                <a:picLocks noChangeAspect="1"/>
+              </p:cNvPicPr>
+              <p:nvPr/>
+            </p:nvPicPr>
+            <p:blipFill>
+              <a:blip r:embed="rId3"/>
+              <a:stretch>
+                <a:fillRect/>
+              </a:stretch>
+            </p:blipFill>
+            <p:spPr>
+              <a:xfrm>
+                <a:off x="7473950" y="2234911"/>
+                <a:ext cx="3943350" cy="1414361"/>
+              </a:xfrm>
+              <a:prstGeom prst="rect">
+                <a:avLst/>
+              </a:prstGeom>
+            </p:spPr>
+          </p:pic>
+        </p:grpSp>
+        <p:sp>
+          <p:nvSpPr>
+            <p:cNvPr id="10" name="Right Arrow 9">
+              <a:extLst>
+                <a:ext uri="{FF2B5EF4-FFF2-40B4-BE49-F238E27FC236}">
+                  <a16:creationId xmlns:a16="http://schemas.microsoft.com/office/drawing/2014/main" id="{8553DB9F-3206-61D1-B5FC-AB034B99BA3D}"/>
+                </a:ext>
+              </a:extLst>
+            </p:cNvPr>
+            <p:cNvSpPr/>
+            <p:nvPr/>
+          </p:nvSpPr>
+          <p:spPr>
+            <a:xfrm>
+              <a:off x="6096000" y="3386071"/>
+              <a:ext cx="749300" cy="371149"/>
+            </a:xfrm>
+            <a:prstGeom prst="rightArrow">
+              <a:avLst/>
+            </a:prstGeom>
+            <a:ln w="28575"/>
+          </p:spPr>
+          <p:style>
+            <a:lnRef idx="2">
+              <a:schemeClr val="dk1"/>
+            </a:lnRef>
+            <a:fillRef idx="1">
+              <a:schemeClr val="lt1"/>
+            </a:fillRef>
+            <a:effectRef idx="0">
+              <a:schemeClr val="dk1"/>
+            </a:effectRef>
+            <a:fontRef idx="minor">
+              <a:schemeClr val="dk1"/>
+            </a:fontRef>
+          </p:style>
+          <p:txBody>
+            <a:bodyPr rtlCol="0" anchor="ctr"/>
+            <a:lstStyle/>
+            <a:p>
+              <a:pPr algn="ctr"/>
+              <a:endParaRPr lang="en-IT"/>
+            </a:p>
+          </p:txBody>
+        </p:sp>
+      </p:grpSp>
+    </p:spTree>
+    <p:extLst>
+      <p:ext uri="{BB962C8B-B14F-4D97-AF65-F5344CB8AC3E}">
+        <p14:creationId xmlns:p14="http://schemas.microsoft.com/office/powerpoint/2010/main" val="929909824"/>
       </p:ext>
     </p:extLst>
   </p:cSld>
